--- a/design.pptx
+++ b/design.pptx
@@ -107,6 +107,11 @@
       </a:defRPr>
     </a:lvl9pPr>
   </p:defaultTextStyle>
+  <p:extLst>
+    <p:ext uri="{EFAFB233-063F-42B5-8137-9DF3F51BA10A}">
+      <p15:sldGuideLst xmlns:p15="http://schemas.microsoft.com/office/powerpoint/2012/main"/>
+    </p:ext>
+  </p:extLst>
 </p:presentation>
 </file>
 
@@ -192,7 +197,7 @@
           <a:p>
             <a:fld id="{6BCD646A-2DB5-A84E-9829-9EC0AAED2DDC}" type="datetimeFigureOut">
               <a:rPr lang="en-TW" smtClean="0"/>
-              <a:t>2024/2/27</a:t>
+              <a:t>2024/2/28</a:t>
             </a:fld>
             <a:endParaRPr lang="en-TW"/>
           </a:p>
@@ -693,7 +698,7 @@
           <a:p>
             <a:fld id="{187E73DD-FD1B-8F45-AACA-E7E9ACDDB2B3}" type="datetimeFigureOut">
               <a:rPr lang="en-TW" smtClean="0"/>
-              <a:t>2024/2/27</a:t>
+              <a:t>2024/2/28</a:t>
             </a:fld>
             <a:endParaRPr lang="en-TW"/>
           </a:p>
@@ -893,7 +898,7 @@
           <a:p>
             <a:fld id="{187E73DD-FD1B-8F45-AACA-E7E9ACDDB2B3}" type="datetimeFigureOut">
               <a:rPr lang="en-TW" smtClean="0"/>
-              <a:t>2024/2/27</a:t>
+              <a:t>2024/2/28</a:t>
             </a:fld>
             <a:endParaRPr lang="en-TW"/>
           </a:p>
@@ -1103,7 +1108,7 @@
           <a:p>
             <a:fld id="{187E73DD-FD1B-8F45-AACA-E7E9ACDDB2B3}" type="datetimeFigureOut">
               <a:rPr lang="en-TW" smtClean="0"/>
-              <a:t>2024/2/27</a:t>
+              <a:t>2024/2/28</a:t>
             </a:fld>
             <a:endParaRPr lang="en-TW"/>
           </a:p>
@@ -1303,7 +1308,7 @@
           <a:p>
             <a:fld id="{187E73DD-FD1B-8F45-AACA-E7E9ACDDB2B3}" type="datetimeFigureOut">
               <a:rPr lang="en-TW" smtClean="0"/>
-              <a:t>2024/2/27</a:t>
+              <a:t>2024/2/28</a:t>
             </a:fld>
             <a:endParaRPr lang="en-TW"/>
           </a:p>
@@ -1579,7 +1584,7 @@
           <a:p>
             <a:fld id="{187E73DD-FD1B-8F45-AACA-E7E9ACDDB2B3}" type="datetimeFigureOut">
               <a:rPr lang="en-TW" smtClean="0"/>
-              <a:t>2024/2/27</a:t>
+              <a:t>2024/2/28</a:t>
             </a:fld>
             <a:endParaRPr lang="en-TW"/>
           </a:p>
@@ -1847,7 +1852,7 @@
           <a:p>
             <a:fld id="{187E73DD-FD1B-8F45-AACA-E7E9ACDDB2B3}" type="datetimeFigureOut">
               <a:rPr lang="en-TW" smtClean="0"/>
-              <a:t>2024/2/27</a:t>
+              <a:t>2024/2/28</a:t>
             </a:fld>
             <a:endParaRPr lang="en-TW"/>
           </a:p>
@@ -2262,7 +2267,7 @@
           <a:p>
             <a:fld id="{187E73DD-FD1B-8F45-AACA-E7E9ACDDB2B3}" type="datetimeFigureOut">
               <a:rPr lang="en-TW" smtClean="0"/>
-              <a:t>2024/2/27</a:t>
+              <a:t>2024/2/28</a:t>
             </a:fld>
             <a:endParaRPr lang="en-TW"/>
           </a:p>
@@ -2404,7 +2409,7 @@
           <a:p>
             <a:fld id="{187E73DD-FD1B-8F45-AACA-E7E9ACDDB2B3}" type="datetimeFigureOut">
               <a:rPr lang="en-TW" smtClean="0"/>
-              <a:t>2024/2/27</a:t>
+              <a:t>2024/2/28</a:t>
             </a:fld>
             <a:endParaRPr lang="en-TW"/>
           </a:p>
@@ -2517,7 +2522,7 @@
           <a:p>
             <a:fld id="{187E73DD-FD1B-8F45-AACA-E7E9ACDDB2B3}" type="datetimeFigureOut">
               <a:rPr lang="en-TW" smtClean="0"/>
-              <a:t>2024/2/27</a:t>
+              <a:t>2024/2/28</a:t>
             </a:fld>
             <a:endParaRPr lang="en-TW"/>
           </a:p>
@@ -2830,7 +2835,7 @@
           <a:p>
             <a:fld id="{187E73DD-FD1B-8F45-AACA-E7E9ACDDB2B3}" type="datetimeFigureOut">
               <a:rPr lang="en-TW" smtClean="0"/>
-              <a:t>2024/2/27</a:t>
+              <a:t>2024/2/28</a:t>
             </a:fld>
             <a:endParaRPr lang="en-TW"/>
           </a:p>
@@ -3119,7 +3124,7 @@
           <a:p>
             <a:fld id="{187E73DD-FD1B-8F45-AACA-E7E9ACDDB2B3}" type="datetimeFigureOut">
               <a:rPr lang="en-TW" smtClean="0"/>
-              <a:t>2024/2/27</a:t>
+              <a:t>2024/2/28</a:t>
             </a:fld>
             <a:endParaRPr lang="en-TW"/>
           </a:p>
@@ -3362,7 +3367,7 @@
           <a:p>
             <a:fld id="{187E73DD-FD1B-8F45-AACA-E7E9ACDDB2B3}" type="datetimeFigureOut">
               <a:rPr lang="en-TW" smtClean="0"/>
-              <a:t>2024/2/27</a:t>
+              <a:t>2024/2/28</a:t>
             </a:fld>
             <a:endParaRPr lang="en-TW"/>
           </a:p>
@@ -5055,58 +5060,6 @@
       </p:sp>
       <p:sp>
         <p:nvSpPr>
-          <p:cNvPr id="111" name="Oval 110">
-            <a:extLst>
-              <a:ext uri="{FF2B5EF4-FFF2-40B4-BE49-F238E27FC236}">
-                <a16:creationId xmlns:a16="http://schemas.microsoft.com/office/drawing/2014/main" id="{55D07FC1-AE36-A9FF-A98B-D2E4877EE6C8}"/>
-              </a:ext>
-            </a:extLst>
-          </p:cNvPr>
-          <p:cNvSpPr/>
-          <p:nvPr/>
-        </p:nvSpPr>
-        <p:spPr>
-          <a:xfrm>
-            <a:off x="9713935" y="458243"/>
-            <a:ext cx="2167003" cy="638827"/>
-          </a:xfrm>
-          <a:prstGeom prst="ellipse">
-            <a:avLst/>
-          </a:prstGeom>
-          <a:solidFill>
-            <a:srgbClr val="92D050"/>
-          </a:solidFill>
-        </p:spPr>
-        <p:style>
-          <a:lnRef idx="2">
-            <a:schemeClr val="accent1">
-              <a:shade val="15000"/>
-            </a:schemeClr>
-          </a:lnRef>
-          <a:fillRef idx="1">
-            <a:schemeClr val="accent1"/>
-          </a:fillRef>
-          <a:effectRef idx="0">
-            <a:schemeClr val="accent1"/>
-          </a:effectRef>
-          <a:fontRef idx="minor">
-            <a:schemeClr val="lt1"/>
-          </a:fontRef>
-        </p:style>
-        <p:txBody>
-          <a:bodyPr rtlCol="0" anchor="ctr"/>
-          <a:lstStyle/>
-          <a:p>
-            <a:pPr algn="ctr"/>
-            <a:r>
-              <a:rPr lang="en-TW" u="sng" dirty="0"/>
-              <a:t>Username</a:t>
-            </a:r>
-          </a:p>
-        </p:txBody>
-      </p:sp>
-      <p:sp>
-        <p:nvSpPr>
           <p:cNvPr id="112" name="Oval 111">
             <a:extLst>
               <a:ext uri="{FF2B5EF4-FFF2-40B4-BE49-F238E27FC236}">
@@ -5266,14 +5219,14 @@
           <p:cNvCxnSpPr>
             <a:cxnSpLocks/>
             <a:stCxn id="106" idx="0"/>
-            <a:endCxn id="111" idx="4"/>
+            <a:endCxn id="2" idx="4"/>
           </p:cNvCxnSpPr>
           <p:nvPr/>
         </p:nvCxnSpPr>
         <p:spPr>
           <a:xfrm flipV="1">
-            <a:off x="10340874" y="1097070"/>
-            <a:ext cx="456563" cy="373232"/>
+            <a:off x="10340874" y="1111355"/>
+            <a:ext cx="522962" cy="358947"/>
           </a:xfrm>
           <a:prstGeom prst="line">
             <a:avLst/>
@@ -5665,6 +5618,156 @@
           </a:fontRef>
         </p:style>
       </p:cxnSp>
+      <p:sp>
+        <p:nvSpPr>
+          <p:cNvPr id="2" name="Oval 1">
+            <a:extLst>
+              <a:ext uri="{FF2B5EF4-FFF2-40B4-BE49-F238E27FC236}">
+                <a16:creationId xmlns:a16="http://schemas.microsoft.com/office/drawing/2014/main" id="{81986E9C-464E-C977-EC87-45C1BB529190}"/>
+              </a:ext>
+            </a:extLst>
+          </p:cNvPr>
+          <p:cNvSpPr/>
+          <p:nvPr/>
+        </p:nvSpPr>
+        <p:spPr>
+          <a:xfrm>
+            <a:off x="9780334" y="472528"/>
+            <a:ext cx="2167003" cy="638827"/>
+          </a:xfrm>
+          <a:prstGeom prst="ellipse">
+            <a:avLst/>
+          </a:prstGeom>
+          <a:solidFill>
+            <a:srgbClr val="92D050"/>
+          </a:solidFill>
+        </p:spPr>
+        <p:style>
+          <a:lnRef idx="2">
+            <a:schemeClr val="accent1">
+              <a:shade val="15000"/>
+            </a:schemeClr>
+          </a:lnRef>
+          <a:fillRef idx="1">
+            <a:schemeClr val="accent1"/>
+          </a:fillRef>
+          <a:effectRef idx="0">
+            <a:schemeClr val="accent1"/>
+          </a:effectRef>
+          <a:fontRef idx="minor">
+            <a:schemeClr val="lt1"/>
+          </a:fontRef>
+        </p:style>
+        <p:txBody>
+          <a:bodyPr rtlCol="0" anchor="ctr"/>
+          <a:lstStyle/>
+          <a:p>
+            <a:pPr algn="ctr"/>
+            <a:r>
+              <a:rPr lang="en-TW" dirty="0"/>
+              <a:t>availability</a:t>
+            </a:r>
+          </a:p>
+        </p:txBody>
+      </p:sp>
+      <p:sp>
+        <p:nvSpPr>
+          <p:cNvPr id="11" name="Rectangle 10">
+            <a:extLst>
+              <a:ext uri="{FF2B5EF4-FFF2-40B4-BE49-F238E27FC236}">
+                <a16:creationId xmlns:a16="http://schemas.microsoft.com/office/drawing/2014/main" id="{00E1CC35-0DDC-C27B-88F8-174B90784ABB}"/>
+              </a:ext>
+            </a:extLst>
+          </p:cNvPr>
+          <p:cNvSpPr/>
+          <p:nvPr/>
+        </p:nvSpPr>
+        <p:spPr>
+          <a:xfrm>
+            <a:off x="9166946" y="1361130"/>
+            <a:ext cx="2348244" cy="937281"/>
+          </a:xfrm>
+          <a:prstGeom prst="rect">
+            <a:avLst/>
+          </a:prstGeom>
+          <a:noFill/>
+        </p:spPr>
+        <p:style>
+          <a:lnRef idx="2">
+            <a:schemeClr val="accent1">
+              <a:shade val="15000"/>
+            </a:schemeClr>
+          </a:lnRef>
+          <a:fillRef idx="1">
+            <a:schemeClr val="accent1"/>
+          </a:fillRef>
+          <a:effectRef idx="0">
+            <a:schemeClr val="accent1"/>
+          </a:effectRef>
+          <a:fontRef idx="minor">
+            <a:schemeClr val="lt1"/>
+          </a:fontRef>
+        </p:style>
+        <p:txBody>
+          <a:bodyPr rtlCol="0" anchor="ctr"/>
+          <a:lstStyle/>
+          <a:p>
+            <a:pPr algn="ctr"/>
+            <a:endParaRPr lang="en-TW">
+              <a:solidFill>
+                <a:schemeClr val="tx1"/>
+              </a:solidFill>
+            </a:endParaRPr>
+          </a:p>
+        </p:txBody>
+      </p:sp>
+      <p:sp>
+        <p:nvSpPr>
+          <p:cNvPr id="12" name="Decision 11">
+            <a:extLst>
+              <a:ext uri="{FF2B5EF4-FFF2-40B4-BE49-F238E27FC236}">
+                <a16:creationId xmlns:a16="http://schemas.microsoft.com/office/drawing/2014/main" id="{267A4199-DCE3-F82A-F8ED-F03362ECB81A}"/>
+              </a:ext>
+            </a:extLst>
+          </p:cNvPr>
+          <p:cNvSpPr/>
+          <p:nvPr/>
+        </p:nvSpPr>
+        <p:spPr>
+          <a:xfrm>
+            <a:off x="9104742" y="2804660"/>
+            <a:ext cx="2472263" cy="1112292"/>
+          </a:xfrm>
+          <a:prstGeom prst="flowChartDecision">
+            <a:avLst/>
+          </a:prstGeom>
+          <a:noFill/>
+        </p:spPr>
+        <p:style>
+          <a:lnRef idx="2">
+            <a:schemeClr val="accent1">
+              <a:shade val="15000"/>
+            </a:schemeClr>
+          </a:lnRef>
+          <a:fillRef idx="1">
+            <a:schemeClr val="accent1"/>
+          </a:fillRef>
+          <a:effectRef idx="0">
+            <a:schemeClr val="accent1"/>
+          </a:effectRef>
+          <a:fontRef idx="minor">
+            <a:schemeClr val="lt1"/>
+          </a:fontRef>
+        </p:style>
+        <p:txBody>
+          <a:bodyPr rtlCol="0" anchor="ctr"/>
+          <a:lstStyle/>
+          <a:p>
+            <a:pPr algn="ctr"/>
+            <a:endParaRPr lang="en-TW"/>
+          </a:p>
+        </p:txBody>
+      </p:sp>
     </p:spTree>
     <p:extLst>
       <p:ext uri="{BB962C8B-B14F-4D97-AF65-F5344CB8AC3E}">
